--- a/Jupyter-Notebook-Intro.pptx
+++ b/Jupyter-Notebook-Intro.pptx
@@ -109,6 +109,11 @@
       </a:defRPr>
     </a:lvl9pPr>
   </p:defaultTextStyle>
+  <p:extLst>
+    <p:ext uri="{EFAFB233-063F-42B5-8137-9DF3F51BA10A}">
+      <p15:sldGuideLst xmlns:p15="http://schemas.microsoft.com/office/powerpoint/2012/main"/>
+    </p:ext>
+  </p:extLst>
 </p:presentation>
 </file>
 
@@ -7913,6 +7918,38 @@
             <a:endParaRPr lang="en-US" dirty="0"/>
           </a:p>
           <a:p>
+            <a:r>
+              <a:rPr lang="en-US" dirty="0"/>
+              <a:t>Code examples, this deck:  </a:t>
+            </a:r>
+          </a:p>
+          <a:p>
+            <a:pPr lvl="1"/>
+            <a:r>
+              <a:rPr lang="en-US" dirty="0"/>
+              <a:t>https://</a:t>
+            </a:r>
+            <a:r>
+              <a:rPr lang="en-US" dirty="0" err="1"/>
+              <a:t>github.com</a:t>
+            </a:r>
+            <a:r>
+              <a:rPr lang="en-US" dirty="0"/>
+              <a:t>/software-better/</a:t>
+            </a:r>
+            <a:r>
+              <a:rPr lang="en-US" dirty="0" err="1"/>
+              <a:t>jupyter</a:t>
+            </a:r>
+            <a:r>
+              <a:rPr lang="en-US" dirty="0"/>
+              <a:t>-notebook-intro</a:t>
+            </a:r>
+          </a:p>
+          <a:p>
+            <a:endParaRPr lang="en-US" dirty="0"/>
+          </a:p>
+          <a:p>
             <a:endParaRPr lang="en-US" dirty="0"/>
           </a:p>
           <a:p>
